--- a/src/Documents/Programming Study - Test Driven Development.pptx
+++ b/src/Documents/Programming Study - Test Driven Development.pptx
@@ -293,7 +293,7 @@
           <a:p>
             <a:fld id="{493F1E53-E8C4-4B4D-A3B5-F48356AA28B3}" type="datetimeFigureOut">
               <a:rPr lang="ko-KR" altLang="en-US" smtClean="0"/>
-              <a:t>2014-09-04</a:t>
+              <a:t>2015-10-29</a:t>
             </a:fld>
             <a:endParaRPr lang="ko-KR" altLang="en-US"/>
           </a:p>
@@ -463,7 +463,7 @@
           <a:p>
             <a:fld id="{493F1E53-E8C4-4B4D-A3B5-F48356AA28B3}" type="datetimeFigureOut">
               <a:rPr lang="ko-KR" altLang="en-US" smtClean="0"/>
-              <a:t>2014-09-04</a:t>
+              <a:t>2015-10-29</a:t>
             </a:fld>
             <a:endParaRPr lang="ko-KR" altLang="en-US"/>
           </a:p>
@@ -643,7 +643,7 @@
           <a:p>
             <a:fld id="{493F1E53-E8C4-4B4D-A3B5-F48356AA28B3}" type="datetimeFigureOut">
               <a:rPr lang="ko-KR" altLang="en-US" smtClean="0"/>
-              <a:t>2014-09-04</a:t>
+              <a:t>2015-10-29</a:t>
             </a:fld>
             <a:endParaRPr lang="ko-KR" altLang="en-US"/>
           </a:p>
@@ -813,7 +813,7 @@
           <a:p>
             <a:fld id="{493F1E53-E8C4-4B4D-A3B5-F48356AA28B3}" type="datetimeFigureOut">
               <a:rPr lang="ko-KR" altLang="en-US" smtClean="0"/>
-              <a:t>2014-09-04</a:t>
+              <a:t>2015-10-29</a:t>
             </a:fld>
             <a:endParaRPr lang="ko-KR" altLang="en-US"/>
           </a:p>
@@ -1059,7 +1059,7 @@
           <a:p>
             <a:fld id="{493F1E53-E8C4-4B4D-A3B5-F48356AA28B3}" type="datetimeFigureOut">
               <a:rPr lang="ko-KR" altLang="en-US" smtClean="0"/>
-              <a:t>2014-09-04</a:t>
+              <a:t>2015-10-29</a:t>
             </a:fld>
             <a:endParaRPr lang="ko-KR" altLang="en-US"/>
           </a:p>
@@ -1347,7 +1347,7 @@
           <a:p>
             <a:fld id="{493F1E53-E8C4-4B4D-A3B5-F48356AA28B3}" type="datetimeFigureOut">
               <a:rPr lang="ko-KR" altLang="en-US" smtClean="0"/>
-              <a:t>2014-09-04</a:t>
+              <a:t>2015-10-29</a:t>
             </a:fld>
             <a:endParaRPr lang="ko-KR" altLang="en-US"/>
           </a:p>
@@ -1769,7 +1769,7 @@
           <a:p>
             <a:fld id="{493F1E53-E8C4-4B4D-A3B5-F48356AA28B3}" type="datetimeFigureOut">
               <a:rPr lang="ko-KR" altLang="en-US" smtClean="0"/>
-              <a:t>2014-09-04</a:t>
+              <a:t>2015-10-29</a:t>
             </a:fld>
             <a:endParaRPr lang="ko-KR" altLang="en-US"/>
           </a:p>
@@ -1887,7 +1887,7 @@
           <a:p>
             <a:fld id="{493F1E53-E8C4-4B4D-A3B5-F48356AA28B3}" type="datetimeFigureOut">
               <a:rPr lang="ko-KR" altLang="en-US" smtClean="0"/>
-              <a:t>2014-09-04</a:t>
+              <a:t>2015-10-29</a:t>
             </a:fld>
             <a:endParaRPr lang="ko-KR" altLang="en-US"/>
           </a:p>
@@ -1982,7 +1982,7 @@
           <a:p>
             <a:fld id="{493F1E53-E8C4-4B4D-A3B5-F48356AA28B3}" type="datetimeFigureOut">
               <a:rPr lang="ko-KR" altLang="en-US" smtClean="0"/>
-              <a:t>2014-09-04</a:t>
+              <a:t>2015-10-29</a:t>
             </a:fld>
             <a:endParaRPr lang="ko-KR" altLang="en-US"/>
           </a:p>
@@ -2259,7 +2259,7 @@
           <a:p>
             <a:fld id="{493F1E53-E8C4-4B4D-A3B5-F48356AA28B3}" type="datetimeFigureOut">
               <a:rPr lang="ko-KR" altLang="en-US" smtClean="0"/>
-              <a:t>2014-09-04</a:t>
+              <a:t>2015-10-29</a:t>
             </a:fld>
             <a:endParaRPr lang="ko-KR" altLang="en-US"/>
           </a:p>
@@ -2512,7 +2512,7 @@
           <a:p>
             <a:fld id="{493F1E53-E8C4-4B4D-A3B5-F48356AA28B3}" type="datetimeFigureOut">
               <a:rPr lang="ko-KR" altLang="en-US" smtClean="0"/>
-              <a:t>2014-09-04</a:t>
+              <a:t>2015-10-29</a:t>
             </a:fld>
             <a:endParaRPr lang="ko-KR" altLang="en-US"/>
           </a:p>
@@ -2725,7 +2725,7 @@
           <a:p>
             <a:fld id="{493F1E53-E8C4-4B4D-A3B5-F48356AA28B3}" type="datetimeFigureOut">
               <a:rPr lang="ko-KR" altLang="en-US" smtClean="0"/>
-              <a:t>2014-09-04</a:t>
+              <a:t>2015-10-29</a:t>
             </a:fld>
             <a:endParaRPr lang="ko-KR" altLang="en-US"/>
           </a:p>
@@ -3230,31 +3230,86 @@
         </p:nvSpPr>
         <p:spPr/>
         <p:txBody>
-          <a:bodyPr/>
+          <a:bodyPr>
+            <a:normAutofit/>
+          </a:bodyPr>
           <a:lstStyle/>
           <a:p>
             <a:r>
               <a:rPr lang="en-US" altLang="ko-KR" dirty="0" smtClean="0"/>
               <a:t>Source Server </a:t>
             </a:r>
-          </a:p>
-          <a:p>
             <a:r>
               <a:rPr lang="en-US" altLang="ko-KR" dirty="0" smtClean="0"/>
-              <a:t>Unit Test</a:t>
-            </a:r>
+              <a:t>- GIT</a:t>
+            </a:r>
+            <a:endParaRPr lang="en-US" altLang="ko-KR" dirty="0" smtClean="0"/>
           </a:p>
           <a:p>
             <a:r>
               <a:rPr lang="en-US" altLang="ko-KR" dirty="0" smtClean="0"/>
-              <a:t>Regression Test</a:t>
-            </a:r>
+              <a:t>Issue Tracking System - </a:t>
+            </a:r>
+            <a:r>
+              <a:rPr lang="en-US" altLang="ko-KR" dirty="0" err="1" smtClean="0"/>
+              <a:t>Redmine</a:t>
+            </a:r>
+            <a:endParaRPr lang="en-US" altLang="ko-KR" dirty="0" smtClean="0"/>
           </a:p>
           <a:p>
             <a:r>
               <a:rPr lang="en-US" altLang="ko-KR" dirty="0" smtClean="0"/>
-              <a:t>Automatic Build</a:t>
-            </a:r>
+              <a:t>Unit </a:t>
+            </a:r>
+            <a:r>
+              <a:rPr lang="en-US" altLang="ko-KR" dirty="0" smtClean="0"/>
+              <a:t>Test Framework – </a:t>
+            </a:r>
+            <a:r>
+              <a:rPr lang="en-US" altLang="ko-KR" dirty="0" err="1" smtClean="0"/>
+              <a:t>Boost.UnitTest</a:t>
+            </a:r>
+            <a:endParaRPr lang="en-US" altLang="ko-KR" dirty="0" smtClean="0"/>
+          </a:p>
+          <a:p>
+            <a:r>
+              <a:rPr lang="en-US" altLang="ko-KR" dirty="0" smtClean="0"/>
+              <a:t>GUI Unit Test – Window Runner </a:t>
+            </a:r>
+            <a:endParaRPr lang="en-US" altLang="ko-KR" dirty="0" smtClean="0"/>
+          </a:p>
+          <a:p>
+            <a:r>
+              <a:rPr lang="en-US" altLang="ko-KR" dirty="0" smtClean="0"/>
+              <a:t>Regression Test – Custom</a:t>
+            </a:r>
+          </a:p>
+          <a:p>
+            <a:r>
+              <a:rPr lang="en-US" altLang="ko-KR" dirty="0"/>
+              <a:t>Regression Test - </a:t>
+            </a:r>
+            <a:r>
+              <a:rPr lang="en-US" altLang="ko-KR" dirty="0" err="1" smtClean="0"/>
+              <a:t>AutoIt</a:t>
+            </a:r>
+            <a:endParaRPr lang="en-US" altLang="ko-KR" dirty="0" smtClean="0"/>
+          </a:p>
+          <a:p>
+            <a:r>
+              <a:rPr lang="en-US" altLang="ko-KR" dirty="0" smtClean="0"/>
+              <a:t>Automatic </a:t>
+            </a:r>
+            <a:r>
+              <a:rPr lang="en-US" altLang="ko-KR" dirty="0" smtClean="0"/>
+              <a:t>Build – MSBUILD</a:t>
+            </a:r>
+          </a:p>
+          <a:p>
+            <a:pPr marL="0" indent="0">
+              <a:buNone/>
+            </a:pPr>
+            <a:endParaRPr lang="en-US" altLang="ko-KR" dirty="0" smtClean="0"/>
           </a:p>
           <a:p>
             <a:endParaRPr lang="en-US" altLang="ko-KR" dirty="0" smtClean="0"/>
@@ -3311,7 +3366,11 @@
           <a:p>
             <a:r>
               <a:rPr lang="en-US" altLang="ko-KR" dirty="0" smtClean="0"/>
-              <a:t>Source Server</a:t>
+              <a:t>Source </a:t>
+            </a:r>
+            <a:r>
+              <a:rPr lang="en-US" altLang="ko-KR" dirty="0" smtClean="0"/>
+              <a:t>Server - GIT</a:t>
             </a:r>
             <a:endParaRPr lang="ko-KR" altLang="en-US" dirty="0"/>
           </a:p>
